--- a/figs/network_structure2.pptx
+++ b/figs/network_structure2.pptx
@@ -243,7 +243,7 @@
           <a:p>
             <a:fld id="{2DF69B4B-5AE9-AC4D-9EFA-9FD7F0F1516D}" type="datetimeFigureOut">
               <a:rPr lang="de-DE" smtClean="0"/>
-              <a:t>13.10.18</a:t>
+              <a:t>04.11.18</a:t>
             </a:fld>
             <a:endParaRPr lang="de-DE"/>
           </a:p>
@@ -413,7 +413,7 @@
           <a:p>
             <a:fld id="{2DF69B4B-5AE9-AC4D-9EFA-9FD7F0F1516D}" type="datetimeFigureOut">
               <a:rPr lang="de-DE" smtClean="0"/>
-              <a:t>13.10.18</a:t>
+              <a:t>04.11.18</a:t>
             </a:fld>
             <a:endParaRPr lang="de-DE"/>
           </a:p>
@@ -593,7 +593,7 @@
           <a:p>
             <a:fld id="{2DF69B4B-5AE9-AC4D-9EFA-9FD7F0F1516D}" type="datetimeFigureOut">
               <a:rPr lang="de-DE" smtClean="0"/>
-              <a:t>13.10.18</a:t>
+              <a:t>04.11.18</a:t>
             </a:fld>
             <a:endParaRPr lang="de-DE"/>
           </a:p>
@@ -763,7 +763,7 @@
           <a:p>
             <a:fld id="{2DF69B4B-5AE9-AC4D-9EFA-9FD7F0F1516D}" type="datetimeFigureOut">
               <a:rPr lang="de-DE" smtClean="0"/>
-              <a:t>13.10.18</a:t>
+              <a:t>04.11.18</a:t>
             </a:fld>
             <a:endParaRPr lang="de-DE"/>
           </a:p>
@@ -1009,7 +1009,7 @@
           <a:p>
             <a:fld id="{2DF69B4B-5AE9-AC4D-9EFA-9FD7F0F1516D}" type="datetimeFigureOut">
               <a:rPr lang="de-DE" smtClean="0"/>
-              <a:t>13.10.18</a:t>
+              <a:t>04.11.18</a:t>
             </a:fld>
             <a:endParaRPr lang="de-DE"/>
           </a:p>
@@ -1241,7 +1241,7 @@
           <a:p>
             <a:fld id="{2DF69B4B-5AE9-AC4D-9EFA-9FD7F0F1516D}" type="datetimeFigureOut">
               <a:rPr lang="de-DE" smtClean="0"/>
-              <a:t>13.10.18</a:t>
+              <a:t>04.11.18</a:t>
             </a:fld>
             <a:endParaRPr lang="de-DE"/>
           </a:p>
@@ -1608,7 +1608,7 @@
           <a:p>
             <a:fld id="{2DF69B4B-5AE9-AC4D-9EFA-9FD7F0F1516D}" type="datetimeFigureOut">
               <a:rPr lang="de-DE" smtClean="0"/>
-              <a:t>13.10.18</a:t>
+              <a:t>04.11.18</a:t>
             </a:fld>
             <a:endParaRPr lang="de-DE"/>
           </a:p>
@@ -1726,7 +1726,7 @@
           <a:p>
             <a:fld id="{2DF69B4B-5AE9-AC4D-9EFA-9FD7F0F1516D}" type="datetimeFigureOut">
               <a:rPr lang="de-DE" smtClean="0"/>
-              <a:t>13.10.18</a:t>
+              <a:t>04.11.18</a:t>
             </a:fld>
             <a:endParaRPr lang="de-DE"/>
           </a:p>
@@ -1821,7 +1821,7 @@
           <a:p>
             <a:fld id="{2DF69B4B-5AE9-AC4D-9EFA-9FD7F0F1516D}" type="datetimeFigureOut">
               <a:rPr lang="de-DE" smtClean="0"/>
-              <a:t>13.10.18</a:t>
+              <a:t>04.11.18</a:t>
             </a:fld>
             <a:endParaRPr lang="de-DE"/>
           </a:p>
@@ -2098,7 +2098,7 @@
           <a:p>
             <a:fld id="{2DF69B4B-5AE9-AC4D-9EFA-9FD7F0F1516D}" type="datetimeFigureOut">
               <a:rPr lang="de-DE" smtClean="0"/>
-              <a:t>13.10.18</a:t>
+              <a:t>04.11.18</a:t>
             </a:fld>
             <a:endParaRPr lang="de-DE"/>
           </a:p>
@@ -2355,7 +2355,7 @@
           <a:p>
             <a:fld id="{2DF69B4B-5AE9-AC4D-9EFA-9FD7F0F1516D}" type="datetimeFigureOut">
               <a:rPr lang="de-DE" smtClean="0"/>
-              <a:t>13.10.18</a:t>
+              <a:t>04.11.18</a:t>
             </a:fld>
             <a:endParaRPr lang="de-DE"/>
           </a:p>
@@ -2568,7 +2568,7 @@
           <a:p>
             <a:fld id="{2DF69B4B-5AE9-AC4D-9EFA-9FD7F0F1516D}" type="datetimeFigureOut">
               <a:rPr lang="de-DE" smtClean="0"/>
-              <a:t>13.10.18</a:t>
+              <a:t>04.11.18</a:t>
             </a:fld>
             <a:endParaRPr lang="de-DE"/>
           </a:p>
@@ -5377,7 +5377,7 @@
         <p:spPr>
           <a:xfrm>
             <a:off x="10188557" y="3119680"/>
-            <a:ext cx="643702" cy="646331"/>
+            <a:ext cx="651140" cy="646331"/>
           </a:xfrm>
           <a:prstGeom prst="rect">
             <a:avLst/>
@@ -5401,7 +5401,7 @@
                   </a:schemeClr>
                 </a:solidFill>
               </a:rPr>
-              <a:t>T</a:t>
+              <a:t>F</a:t>
             </a:r>
             <a:r>
               <a:rPr lang="de-DE" sz="3600" baseline="-25000" dirty="0" err="1">
@@ -5485,7 +5485,7 @@
         <p:spPr>
           <a:xfrm>
             <a:off x="14314286" y="3153956"/>
-            <a:ext cx="643702" cy="646331"/>
+            <a:ext cx="651140" cy="646331"/>
           </a:xfrm>
           <a:prstGeom prst="rect">
             <a:avLst/>
@@ -5506,7 +5506,7 @@
                   </a:schemeClr>
                 </a:solidFill>
               </a:rPr>
-              <a:t>T</a:t>
+              <a:t>F</a:t>
             </a:r>
             <a:r>
               <a:rPr lang="de-DE" sz="3600" baseline="-25000" dirty="0" err="1">
@@ -6115,12 +6115,8 @@
           <a:lstStyle/>
           <a:p>
             <a:r>
-              <a:rPr lang="de-DE" sz="2800" b="1" dirty="0" err="1"/>
-              <a:t>e</a:t>
-            </a:r>
-            <a:r>
               <a:rPr lang="de-DE" sz="2800" b="1" dirty="0"/>
-              <a:t>) </a:t>
+              <a:t>d) </a:t>
             </a:r>
             <a:r>
               <a:rPr lang="de-DE" sz="2800" b="1" dirty="0" err="1"/>
@@ -8206,8 +8202,8 @@
         </p:nvSpPr>
         <p:spPr>
           <a:xfrm>
-            <a:off x="11100580" y="1928885"/>
-            <a:ext cx="593432" cy="584775"/>
+            <a:off x="11100580" y="1964743"/>
+            <a:ext cx="530915" cy="523220"/>
           </a:xfrm>
           <a:prstGeom prst="rect">
             <a:avLst/>
@@ -8221,11 +8217,11 @@
           <a:lstStyle/>
           <a:p>
             <a:r>
-              <a:rPr lang="de-DE" sz="3200" dirty="0"/>
-              <a:t>t</a:t>
-            </a:r>
-            <a:r>
-              <a:rPr lang="de-DE" sz="3200" baseline="-25000" dirty="0"/>
+              <a:rPr lang="de-DE" sz="2800" dirty="0"/>
+              <a:t>f</a:t>
+            </a:r>
+            <a:r>
+              <a:rPr lang="de-DE" sz="2800" baseline="-25000" dirty="0"/>
               <a:t>1a</a:t>
             </a:r>
           </a:p>
@@ -8305,8 +8301,8 @@
         </p:nvSpPr>
         <p:spPr>
           <a:xfrm>
-            <a:off x="11100583" y="2623152"/>
-            <a:ext cx="606256" cy="584775"/>
+            <a:off x="11100583" y="2659010"/>
+            <a:ext cx="540533" cy="523220"/>
           </a:xfrm>
           <a:prstGeom prst="rect">
             <a:avLst/>
@@ -8320,11 +8316,11 @@
           <a:lstStyle/>
           <a:p>
             <a:r>
-              <a:rPr lang="de-DE" sz="3200" dirty="0"/>
-              <a:t>t</a:t>
-            </a:r>
-            <a:r>
-              <a:rPr lang="de-DE" sz="3200" baseline="-25000" dirty="0"/>
+              <a:rPr lang="de-DE" sz="2800" dirty="0"/>
+              <a:t>f</a:t>
+            </a:r>
+            <a:r>
+              <a:rPr lang="de-DE" sz="2800" baseline="-25000" dirty="0"/>
               <a:t>1b</a:t>
             </a:r>
           </a:p>
@@ -8675,8 +8671,8 @@
         </p:nvSpPr>
         <p:spPr>
           <a:xfrm>
-            <a:off x="11115573" y="4706943"/>
-            <a:ext cx="606256" cy="584775"/>
+            <a:off x="11115573" y="4742801"/>
+            <a:ext cx="543739" cy="523220"/>
           </a:xfrm>
           <a:prstGeom prst="rect">
             <a:avLst/>
@@ -8690,14 +8686,14 @@
           <a:lstStyle/>
           <a:p>
             <a:r>
-              <a:rPr lang="de-DE" sz="3200" dirty="0" err="1"/>
-              <a:t>t</a:t>
-            </a:r>
-            <a:r>
-              <a:rPr lang="de-DE" sz="3200" baseline="-25000" dirty="0" err="1"/>
+              <a:rPr lang="de-DE" sz="2800" dirty="0" err="1"/>
+              <a:t>f</a:t>
+            </a:r>
+            <a:r>
+              <a:rPr lang="de-DE" sz="2800" baseline="-25000" dirty="0" err="1"/>
               <a:t>nb</a:t>
             </a:r>
-            <a:endParaRPr lang="de-DE" sz="3200" baseline="-25000" dirty="0"/>
+            <a:endParaRPr lang="de-DE" sz="2800" baseline="-25000" dirty="0"/>
           </a:p>
         </p:txBody>
       </p:sp>
@@ -8935,8 +8931,8 @@
         </p:nvSpPr>
         <p:spPr>
           <a:xfrm>
-            <a:off x="11100580" y="4027468"/>
-            <a:ext cx="593432" cy="584775"/>
+            <a:off x="11100580" y="4063326"/>
+            <a:ext cx="534121" cy="523220"/>
           </a:xfrm>
           <a:prstGeom prst="rect">
             <a:avLst/>
@@ -8950,14 +8946,14 @@
           <a:lstStyle/>
           <a:p>
             <a:r>
-              <a:rPr lang="de-DE" sz="3200" dirty="0" err="1"/>
-              <a:t>t</a:t>
-            </a:r>
-            <a:r>
-              <a:rPr lang="de-DE" sz="3200" baseline="-25000" dirty="0" err="1"/>
+              <a:rPr lang="de-DE" sz="2800" dirty="0" err="1"/>
+              <a:t>f</a:t>
+            </a:r>
+            <a:r>
+              <a:rPr lang="de-DE" sz="2800" baseline="-25000" dirty="0" err="1"/>
               <a:t>na</a:t>
             </a:r>
-            <a:endParaRPr lang="de-DE" sz="3200" baseline="-25000" dirty="0"/>
+            <a:endParaRPr lang="de-DE" sz="2800" baseline="-25000" dirty="0"/>
           </a:p>
         </p:txBody>
       </p:sp>
@@ -9070,8 +9066,8 @@
         </p:nvSpPr>
         <p:spPr>
           <a:xfrm>
-            <a:off x="13370302" y="1824874"/>
-            <a:ext cx="593432" cy="584775"/>
+            <a:off x="13370302" y="1932448"/>
+            <a:ext cx="530915" cy="523220"/>
           </a:xfrm>
           <a:prstGeom prst="rect">
             <a:avLst/>
@@ -9085,11 +9081,11 @@
           <a:lstStyle/>
           <a:p>
             <a:r>
-              <a:rPr lang="de-DE" sz="3200" dirty="0"/>
-              <a:t>t</a:t>
-            </a:r>
-            <a:r>
-              <a:rPr lang="de-DE" sz="3200" baseline="-25000" dirty="0"/>
+              <a:rPr lang="de-DE" sz="2800" dirty="0"/>
+              <a:t>f</a:t>
+            </a:r>
+            <a:r>
+              <a:rPr lang="de-DE" sz="2800" baseline="-25000" dirty="0"/>
               <a:t>1a</a:t>
             </a:r>
           </a:p>
@@ -9169,8 +9165,8 @@
         </p:nvSpPr>
         <p:spPr>
           <a:xfrm>
-            <a:off x="13370305" y="2586873"/>
-            <a:ext cx="606256" cy="584775"/>
+            <a:off x="13370305" y="2622731"/>
+            <a:ext cx="540533" cy="523220"/>
           </a:xfrm>
           <a:prstGeom prst="rect">
             <a:avLst/>
@@ -9184,11 +9180,11 @@
           <a:lstStyle/>
           <a:p>
             <a:r>
-              <a:rPr lang="de-DE" sz="3200" dirty="0"/>
-              <a:t>t</a:t>
-            </a:r>
-            <a:r>
-              <a:rPr lang="de-DE" sz="3200" baseline="-25000" dirty="0"/>
+              <a:rPr lang="de-DE" sz="2800" dirty="0"/>
+              <a:t>f</a:t>
+            </a:r>
+            <a:r>
+              <a:rPr lang="de-DE" sz="2800" baseline="-25000" dirty="0"/>
               <a:t>1b</a:t>
             </a:r>
           </a:p>
@@ -9723,8 +9719,8 @@
         </p:nvSpPr>
         <p:spPr>
           <a:xfrm>
-            <a:off x="13370302" y="3991189"/>
-            <a:ext cx="593432" cy="584775"/>
+            <a:off x="13370302" y="4027047"/>
+            <a:ext cx="534121" cy="523220"/>
           </a:xfrm>
           <a:prstGeom prst="rect">
             <a:avLst/>
@@ -9738,14 +9734,14 @@
           <a:lstStyle/>
           <a:p>
             <a:r>
-              <a:rPr lang="de-DE" sz="3200" dirty="0" err="1"/>
-              <a:t>t</a:t>
-            </a:r>
-            <a:r>
-              <a:rPr lang="de-DE" sz="3200" baseline="-25000" dirty="0" err="1"/>
+              <a:rPr lang="de-DE" sz="2800" dirty="0" err="1"/>
+              <a:t>f</a:t>
+            </a:r>
+            <a:r>
+              <a:rPr lang="de-DE" sz="2800" baseline="-25000" dirty="0" err="1"/>
               <a:t>na</a:t>
             </a:r>
-            <a:endParaRPr lang="de-DE" sz="3200" baseline="-25000" dirty="0"/>
+            <a:endParaRPr lang="de-DE" sz="2800" baseline="-25000" dirty="0"/>
           </a:p>
         </p:txBody>
       </p:sp>
@@ -9763,8 +9759,8 @@
         </p:nvSpPr>
         <p:spPr>
           <a:xfrm>
-            <a:off x="13385295" y="4670664"/>
-            <a:ext cx="611065" cy="584775"/>
+            <a:off x="13385295" y="4706522"/>
+            <a:ext cx="543739" cy="523220"/>
           </a:xfrm>
           <a:prstGeom prst="rect">
             <a:avLst/>
@@ -9778,14 +9774,14 @@
           <a:lstStyle/>
           <a:p>
             <a:r>
-              <a:rPr lang="de-DE" sz="3200" dirty="0" err="1"/>
-              <a:t>t</a:t>
-            </a:r>
-            <a:r>
-              <a:rPr lang="de-DE" sz="3200" baseline="-25000" dirty="0" err="1"/>
+              <a:rPr lang="de-DE" sz="2800" dirty="0" err="1"/>
+              <a:t>f</a:t>
+            </a:r>
+            <a:r>
+              <a:rPr lang="de-DE" sz="2800" baseline="-25000" dirty="0" err="1"/>
               <a:t>nb</a:t>
             </a:r>
-            <a:endParaRPr lang="de-DE" sz="3200" baseline="30000" dirty="0"/>
+            <a:endParaRPr lang="de-DE" sz="2800" baseline="30000" dirty="0"/>
           </a:p>
         </p:txBody>
       </p:sp>
@@ -9803,8 +9799,8 @@
         </p:nvSpPr>
         <p:spPr>
           <a:xfrm>
-            <a:off x="13527975" y="4690828"/>
-            <a:ext cx="393056" cy="400110"/>
+            <a:off x="13527975" y="4708757"/>
+            <a:ext cx="351378" cy="338554"/>
           </a:xfrm>
           <a:prstGeom prst="rect">
             <a:avLst/>
@@ -9818,10 +9814,10 @@
           <a:lstStyle/>
           <a:p>
             <a:r>
-              <a:rPr lang="de-DE" sz="2000" dirty="0"/>
+              <a:rPr lang="de-DE" sz="1600" dirty="0"/>
               <a:t>-1</a:t>
             </a:r>
-            <a:endParaRPr lang="de-DE" sz="2000" baseline="30000" dirty="0"/>
+            <a:endParaRPr lang="de-DE" sz="1600" baseline="30000" dirty="0"/>
           </a:p>
         </p:txBody>
       </p:sp>
@@ -9839,8 +9835,8 @@
         </p:nvSpPr>
         <p:spPr>
           <a:xfrm>
-            <a:off x="13527977" y="4013495"/>
-            <a:ext cx="393056" cy="400110"/>
+            <a:off x="13527977" y="4031424"/>
+            <a:ext cx="351378" cy="338554"/>
           </a:xfrm>
           <a:prstGeom prst="rect">
             <a:avLst/>
@@ -9854,10 +9850,10 @@
           <a:lstStyle/>
           <a:p>
             <a:r>
-              <a:rPr lang="de-DE" sz="2000" dirty="0"/>
+              <a:rPr lang="de-DE" sz="1600" dirty="0"/>
               <a:t>-1</a:t>
             </a:r>
-            <a:endParaRPr lang="de-DE" sz="2000" baseline="30000" dirty="0"/>
+            <a:endParaRPr lang="de-DE" sz="1600" baseline="30000" dirty="0"/>
           </a:p>
         </p:txBody>
       </p:sp>
@@ -9875,8 +9871,8 @@
         </p:nvSpPr>
         <p:spPr>
           <a:xfrm>
-            <a:off x="13527980" y="2608032"/>
-            <a:ext cx="393056" cy="400110"/>
+            <a:off x="13527980" y="2625961"/>
+            <a:ext cx="351378" cy="338554"/>
           </a:xfrm>
           <a:prstGeom prst="rect">
             <a:avLst/>
@@ -9890,10 +9886,10 @@
           <a:lstStyle/>
           <a:p>
             <a:r>
-              <a:rPr lang="de-DE" sz="2000" dirty="0"/>
+              <a:rPr lang="de-DE" sz="1600" dirty="0"/>
               <a:t>-1</a:t>
             </a:r>
-            <a:endParaRPr lang="de-DE" sz="2000" baseline="30000" dirty="0"/>
+            <a:endParaRPr lang="de-DE" sz="1600" baseline="30000" dirty="0"/>
           </a:p>
         </p:txBody>
       </p:sp>
@@ -9911,8 +9907,8 @@
         </p:nvSpPr>
         <p:spPr>
           <a:xfrm>
-            <a:off x="13527983" y="1913769"/>
-            <a:ext cx="393056" cy="400110"/>
+            <a:off x="13527983" y="1931698"/>
+            <a:ext cx="351378" cy="338554"/>
           </a:xfrm>
           <a:prstGeom prst="rect">
             <a:avLst/>
@@ -9926,10 +9922,10 @@
           <a:lstStyle/>
           <a:p>
             <a:r>
-              <a:rPr lang="de-DE" sz="2000" dirty="0"/>
+              <a:rPr lang="de-DE" sz="1600" dirty="0"/>
               <a:t>-1</a:t>
             </a:r>
-            <a:endParaRPr lang="de-DE" sz="2000" baseline="30000" dirty="0"/>
+            <a:endParaRPr lang="de-DE" sz="1600" baseline="30000" dirty="0"/>
           </a:p>
         </p:txBody>
       </p:sp>

--- a/figs/network_structure2.pptx
+++ b/figs/network_structure2.pptx
@@ -243,7 +243,7 @@
           <a:p>
             <a:fld id="{2DF69B4B-5AE9-AC4D-9EFA-9FD7F0F1516D}" type="datetimeFigureOut">
               <a:rPr lang="de-DE" smtClean="0"/>
-              <a:t>04.11.18</a:t>
+              <a:t>11.11.18</a:t>
             </a:fld>
             <a:endParaRPr lang="de-DE"/>
           </a:p>
@@ -413,7 +413,7 @@
           <a:p>
             <a:fld id="{2DF69B4B-5AE9-AC4D-9EFA-9FD7F0F1516D}" type="datetimeFigureOut">
               <a:rPr lang="de-DE" smtClean="0"/>
-              <a:t>04.11.18</a:t>
+              <a:t>11.11.18</a:t>
             </a:fld>
             <a:endParaRPr lang="de-DE"/>
           </a:p>
@@ -593,7 +593,7 @@
           <a:p>
             <a:fld id="{2DF69B4B-5AE9-AC4D-9EFA-9FD7F0F1516D}" type="datetimeFigureOut">
               <a:rPr lang="de-DE" smtClean="0"/>
-              <a:t>04.11.18</a:t>
+              <a:t>11.11.18</a:t>
             </a:fld>
             <a:endParaRPr lang="de-DE"/>
           </a:p>
@@ -763,7 +763,7 @@
           <a:p>
             <a:fld id="{2DF69B4B-5AE9-AC4D-9EFA-9FD7F0F1516D}" type="datetimeFigureOut">
               <a:rPr lang="de-DE" smtClean="0"/>
-              <a:t>04.11.18</a:t>
+              <a:t>11.11.18</a:t>
             </a:fld>
             <a:endParaRPr lang="de-DE"/>
           </a:p>
@@ -1009,7 +1009,7 @@
           <a:p>
             <a:fld id="{2DF69B4B-5AE9-AC4D-9EFA-9FD7F0F1516D}" type="datetimeFigureOut">
               <a:rPr lang="de-DE" smtClean="0"/>
-              <a:t>04.11.18</a:t>
+              <a:t>11.11.18</a:t>
             </a:fld>
             <a:endParaRPr lang="de-DE"/>
           </a:p>
@@ -1241,7 +1241,7 @@
           <a:p>
             <a:fld id="{2DF69B4B-5AE9-AC4D-9EFA-9FD7F0F1516D}" type="datetimeFigureOut">
               <a:rPr lang="de-DE" smtClean="0"/>
-              <a:t>04.11.18</a:t>
+              <a:t>11.11.18</a:t>
             </a:fld>
             <a:endParaRPr lang="de-DE"/>
           </a:p>
@@ -1608,7 +1608,7 @@
           <a:p>
             <a:fld id="{2DF69B4B-5AE9-AC4D-9EFA-9FD7F0F1516D}" type="datetimeFigureOut">
               <a:rPr lang="de-DE" smtClean="0"/>
-              <a:t>04.11.18</a:t>
+              <a:t>11.11.18</a:t>
             </a:fld>
             <a:endParaRPr lang="de-DE"/>
           </a:p>
@@ -1726,7 +1726,7 @@
           <a:p>
             <a:fld id="{2DF69B4B-5AE9-AC4D-9EFA-9FD7F0F1516D}" type="datetimeFigureOut">
               <a:rPr lang="de-DE" smtClean="0"/>
-              <a:t>04.11.18</a:t>
+              <a:t>11.11.18</a:t>
             </a:fld>
             <a:endParaRPr lang="de-DE"/>
           </a:p>
@@ -1821,7 +1821,7 @@
           <a:p>
             <a:fld id="{2DF69B4B-5AE9-AC4D-9EFA-9FD7F0F1516D}" type="datetimeFigureOut">
               <a:rPr lang="de-DE" smtClean="0"/>
-              <a:t>04.11.18</a:t>
+              <a:t>11.11.18</a:t>
             </a:fld>
             <a:endParaRPr lang="de-DE"/>
           </a:p>
@@ -2098,7 +2098,7 @@
           <a:p>
             <a:fld id="{2DF69B4B-5AE9-AC4D-9EFA-9FD7F0F1516D}" type="datetimeFigureOut">
               <a:rPr lang="de-DE" smtClean="0"/>
-              <a:t>04.11.18</a:t>
+              <a:t>11.11.18</a:t>
             </a:fld>
             <a:endParaRPr lang="de-DE"/>
           </a:p>
@@ -2355,7 +2355,7 @@
           <a:p>
             <a:fld id="{2DF69B4B-5AE9-AC4D-9EFA-9FD7F0F1516D}" type="datetimeFigureOut">
               <a:rPr lang="de-DE" smtClean="0"/>
-              <a:t>04.11.18</a:t>
+              <a:t>11.11.18</a:t>
             </a:fld>
             <a:endParaRPr lang="de-DE"/>
           </a:p>
@@ -2568,7 +2568,7 @@
           <a:p>
             <a:fld id="{2DF69B4B-5AE9-AC4D-9EFA-9FD7F0F1516D}" type="datetimeFigureOut">
               <a:rPr lang="de-DE" smtClean="0"/>
-              <a:t>04.11.18</a:t>
+              <a:t>11.11.18</a:t>
             </a:fld>
             <a:endParaRPr lang="de-DE"/>
           </a:p>
@@ -3739,7 +3739,7 @@
         <p:spPr>
           <a:xfrm>
             <a:off x="5557756" y="522527"/>
-            <a:ext cx="522900" cy="646331"/>
+            <a:ext cx="548548" cy="646331"/>
           </a:xfrm>
           <a:prstGeom prst="rect">
             <a:avLst/>
@@ -3754,7 +3754,7 @@
           <a:p>
             <a:r>
               <a:rPr lang="de-DE" sz="3600" dirty="0"/>
-              <a:t>z</a:t>
+              <a:t>y</a:t>
             </a:r>
             <a:r>
               <a:rPr lang="de-DE" sz="3600" baseline="-25000" dirty="0"/>
@@ -3778,7 +3778,7 @@
         <p:spPr>
           <a:xfrm>
             <a:off x="5557756" y="2385740"/>
-            <a:ext cx="522900" cy="646331"/>
+            <a:ext cx="548548" cy="646331"/>
           </a:xfrm>
           <a:prstGeom prst="rect">
             <a:avLst/>
@@ -3792,13 +3792,14 @@
           <a:lstStyle/>
           <a:p>
             <a:r>
-              <a:rPr lang="de-DE" sz="3600" dirty="0"/>
-              <a:t>z</a:t>
-            </a:r>
-            <a:r>
-              <a:rPr lang="de-DE" sz="3600" baseline="-25000" dirty="0"/>
+              <a:rPr lang="de-DE" sz="3600"/>
+              <a:t>y</a:t>
+            </a:r>
+            <a:r>
+              <a:rPr lang="de-DE" sz="3600" baseline="-25000"/>
               <a:t>2</a:t>
             </a:r>
+            <a:endParaRPr lang="de-DE" sz="3600" baseline="-25000" dirty="0"/>
           </a:p>
         </p:txBody>
       </p:sp>
